--- a/apresentacoes/Aula7/Etapa5.pptx
+++ b/apresentacoes/Aula7/Etapa5.pptx
@@ -6,7 +6,7 @@
     <p:sldMasterId id="2147483655" r:id="rId2"/>
   </p:sldMasterIdLst>
   <p:notesMasterIdLst>
-    <p:notesMasterId r:id="rId11"/>
+    <p:notesMasterId r:id="rId12"/>
   </p:notesMasterIdLst>
   <p:sldIdLst>
     <p:sldId id="258" r:id="rId3"/>
@@ -15,32 +15,33 @@
     <p:sldId id="286" r:id="rId6"/>
     <p:sldId id="287" r:id="rId7"/>
     <p:sldId id="288" r:id="rId8"/>
-    <p:sldId id="289" r:id="rId9"/>
-    <p:sldId id="262" r:id="rId10"/>
+    <p:sldId id="290" r:id="rId9"/>
+    <p:sldId id="289" r:id="rId10"/>
+    <p:sldId id="262" r:id="rId11"/>
   </p:sldIdLst>
   <p:sldSz cx="9144000" cy="5143500" type="screen16x9"/>
   <p:notesSz cx="6858000" cy="9144000"/>
   <p:embeddedFontLst>
     <p:embeddedFont>
       <p:font typeface="Calibri" panose="020F0502020204030204" pitchFamily="34" charset="0"/>
-      <p:regular r:id="rId12"/>
-      <p:bold r:id="rId13"/>
-      <p:italic r:id="rId14"/>
-      <p:boldItalic r:id="rId15"/>
+      <p:regular r:id="rId13"/>
+      <p:bold r:id="rId14"/>
+      <p:italic r:id="rId15"/>
+      <p:boldItalic r:id="rId16"/>
     </p:embeddedFont>
     <p:embeddedFont>
       <p:font typeface="Century Gothic" panose="020B0502020202020204" pitchFamily="34" charset="0"/>
-      <p:regular r:id="rId16"/>
-      <p:bold r:id="rId17"/>
-      <p:italic r:id="rId18"/>
-      <p:boldItalic r:id="rId19"/>
+      <p:regular r:id="rId17"/>
+      <p:bold r:id="rId18"/>
+      <p:italic r:id="rId19"/>
+      <p:boldItalic r:id="rId20"/>
     </p:embeddedFont>
     <p:embeddedFont>
       <p:font typeface="Proxima Nova" panose="020B0604020202020204" charset="0"/>
-      <p:regular r:id="rId20"/>
-      <p:bold r:id="rId21"/>
-      <p:italic r:id="rId22"/>
-      <p:boldItalic r:id="rId23"/>
+      <p:regular r:id="rId21"/>
+      <p:bold r:id="rId22"/>
+      <p:italic r:id="rId23"/>
+      <p:boldItalic r:id="rId24"/>
     </p:embeddedFont>
   </p:embeddedFontLst>
   <p:defaultTextStyle>
@@ -1785,6 +1786,137 @@
     </p:spTree>
     <p:extLst>
       <p:ext uri="{BB962C8B-B14F-4D97-AF65-F5344CB8AC3E}">
+        <p14:creationId xmlns:p14="http://schemas.microsoft.com/office/powerpoint/2010/main" val="4193148948"/>
+      </p:ext>
+    </p:extLst>
+  </p:cSld>
+  <p:clrMapOvr>
+    <a:masterClrMapping/>
+  </p:clrMapOvr>
+</p:notes>
+</file>
+
+<file path=ppt/notesSlides/notesSlide8.xml><?xml version="1.0" encoding="utf-8"?>
+<p:notes xmlns:a="http://schemas.openxmlformats.org/drawingml/2006/main" xmlns:r="http://schemas.openxmlformats.org/officeDocument/2006/relationships" xmlns:p="http://schemas.openxmlformats.org/presentationml/2006/main" showMasterSp="0" showMasterPhAnim="0">
+  <p:cSld>
+    <p:spTree>
+      <p:nvGrpSpPr>
+        <p:cNvPr id="1" name="Shape 132"/>
+        <p:cNvGrpSpPr/>
+        <p:nvPr/>
+      </p:nvGrpSpPr>
+      <p:grpSpPr>
+        <a:xfrm>
+          <a:off x="0" y="0"/>
+          <a:ext cx="0" cy="0"/>
+          <a:chOff x="0" y="0"/>
+          <a:chExt cx="0" cy="0"/>
+        </a:xfrm>
+      </p:grpSpPr>
+      <p:sp>
+        <p:nvSpPr>
+          <p:cNvPr id="133" name="Google Shape;133;p16:notes"/>
+          <p:cNvSpPr>
+            <a:spLocks noGrp="1" noRot="1" noChangeAspect="1"/>
+          </p:cNvSpPr>
+          <p:nvPr>
+            <p:ph type="sldImg" idx="2"/>
+          </p:nvPr>
+        </p:nvSpPr>
+        <p:spPr>
+          <a:xfrm>
+            <a:off x="381000" y="685800"/>
+            <a:ext cx="6096000" cy="3429000"/>
+          </a:xfrm>
+          <a:custGeom>
+            <a:avLst/>
+            <a:gdLst/>
+            <a:ahLst/>
+            <a:cxnLst/>
+            <a:rect l="l" t="t" r="r" b="b"/>
+            <a:pathLst>
+              <a:path w="120000" h="120000" extrusionOk="0">
+                <a:moveTo>
+                  <a:pt x="0" y="0"/>
+                </a:moveTo>
+                <a:lnTo>
+                  <a:pt x="120000" y="0"/>
+                </a:lnTo>
+                <a:lnTo>
+                  <a:pt x="120000" y="120000"/>
+                </a:lnTo>
+                <a:lnTo>
+                  <a:pt x="0" y="120000"/>
+                </a:lnTo>
+                <a:close/>
+              </a:path>
+            </a:pathLst>
+          </a:custGeom>
+          <a:noFill/>
+          <a:ln w="9525" cap="flat" cmpd="sng">
+            <a:solidFill>
+              <a:srgbClr val="000000"/>
+            </a:solidFill>
+            <a:prstDash val="solid"/>
+            <a:round/>
+            <a:headEnd type="none" w="sm" len="sm"/>
+            <a:tailEnd type="none" w="sm" len="sm"/>
+          </a:ln>
+        </p:spPr>
+      </p:sp>
+      <p:sp>
+        <p:nvSpPr>
+          <p:cNvPr id="134" name="Google Shape;134;p16:notes"/>
+          <p:cNvSpPr txBox="1">
+            <a:spLocks noGrp="1"/>
+          </p:cNvSpPr>
+          <p:nvPr>
+            <p:ph type="body" idx="1"/>
+          </p:nvPr>
+        </p:nvSpPr>
+        <p:spPr>
+          <a:xfrm>
+            <a:off x="685800" y="4343400"/>
+            <a:ext cx="5486400" cy="4114800"/>
+          </a:xfrm>
+          <a:prstGeom prst="rect">
+            <a:avLst/>
+          </a:prstGeom>
+          <a:noFill/>
+          <a:ln>
+            <a:noFill/>
+          </a:ln>
+        </p:spPr>
+        <p:txBody>
+          <a:bodyPr spcFirstLastPara="1" wrap="square" lIns="91425" tIns="91425" rIns="91425" bIns="91425" anchor="t" anchorCtr="0">
+            <a:noAutofit/>
+          </a:bodyPr>
+          <a:lstStyle/>
+          <a:p>
+            <a:pPr marL="0" lvl="0" indent="0" algn="l" rtl="0">
+              <a:lnSpc>
+                <a:spcPct val="100000"/>
+              </a:lnSpc>
+              <a:spcBef>
+                <a:spcPts val="0"/>
+              </a:spcBef>
+              <a:spcAft>
+                <a:spcPts val="0"/>
+              </a:spcAft>
+              <a:buClr>
+                <a:schemeClr val="dk1"/>
+              </a:buClr>
+              <a:buSzPts val="1100"/>
+              <a:buFont typeface="Arial"/>
+              <a:buNone/>
+            </a:pPr>
+            <a:endParaRPr/>
+          </a:p>
+        </p:txBody>
+      </p:sp>
+    </p:spTree>
+    <p:extLst>
+      <p:ext uri="{BB962C8B-B14F-4D97-AF65-F5344CB8AC3E}">
         <p14:creationId xmlns:p14="http://schemas.microsoft.com/office/powerpoint/2010/main" val="886260044"/>
       </p:ext>
     </p:extLst>
@@ -1795,7 +1927,7 @@
 </p:notes>
 </file>
 
-<file path=ppt/notesSlides/notesSlide8.xml><?xml version="1.0" encoding="utf-8"?>
+<file path=ppt/notesSlides/notesSlide9.xml><?xml version="1.0" encoding="utf-8"?>
 <p:notes xmlns:a="http://schemas.openxmlformats.org/drawingml/2006/main" xmlns:r="http://schemas.openxmlformats.org/officeDocument/2006/relationships" xmlns:p="http://schemas.openxmlformats.org/presentationml/2006/main" showMasterSp="0" showMasterPhAnim="0">
   <p:cSld>
     <p:spTree>
@@ -21332,19 +21464,7 @@
                 <a:cs typeface="Century Gothic"/>
                 <a:sym typeface="Century Gothic"/>
               </a:rPr>
-              <a:t> </a:t>
-            </a:r>
-            <a:r>
-              <a:rPr lang="en-US" sz="2800" b="1" i="0" u="none" strike="noStrike" cap="none" smtClean="0">
-                <a:solidFill>
-                  <a:schemeClr val="lt1"/>
-                </a:solidFill>
-                <a:latin typeface="Century Gothic"/>
-                <a:ea typeface="Century Gothic"/>
-                <a:cs typeface="Century Gothic"/>
-                <a:sym typeface="Century Gothic"/>
-              </a:rPr>
-              <a:t>5: </a:t>
+              <a:t> 5: </a:t>
             </a:r>
             <a:endParaRPr lang="en-US" sz="2800" b="1" i="0" u="none" strike="noStrike" cap="none" dirty="0">
               <a:solidFill>
@@ -21445,19 +21565,7 @@
                 <a:cs typeface="Century Gothic"/>
                 <a:sym typeface="Century Gothic"/>
               </a:rPr>
-              <a:t>Explicando </a:t>
-            </a:r>
-            <a:r>
-              <a:rPr lang="pt-BR" sz="3600" dirty="0" smtClean="0">
-                <a:solidFill>
-                  <a:srgbClr val="F78321"/>
-                </a:solidFill>
-                <a:latin typeface="Century Gothic"/>
-                <a:ea typeface="Century Gothic"/>
-                <a:cs typeface="Century Gothic"/>
-                <a:sym typeface="Century Gothic"/>
-              </a:rPr>
-              <a:t>atravessamento em</a:t>
+              <a:t>Explicando atravessamento em</a:t>
             </a:r>
           </a:p>
           <a:p>
@@ -21468,7 +21576,7 @@
               <a:buSzPts val="1100"/>
             </a:pPr>
             <a:r>
-              <a:rPr lang="pt-BR" sz="3600" dirty="0" smtClean="0">
+              <a:rPr lang="pt-BR" sz="3600" dirty="0">
                 <a:solidFill>
                   <a:srgbClr val="F78321"/>
                 </a:solidFill>
@@ -21479,15 +21587,6 @@
               </a:rPr>
               <a:t>Árvore</a:t>
             </a:r>
-            <a:endParaRPr lang="pt-BR" sz="3600" dirty="0">
-              <a:solidFill>
-                <a:srgbClr val="F78321"/>
-              </a:solidFill>
-              <a:latin typeface="Century Gothic"/>
-              <a:ea typeface="Century Gothic"/>
-              <a:cs typeface="Century Gothic"/>
-              <a:sym typeface="Century Gothic"/>
-            </a:endParaRPr>
           </a:p>
         </p:txBody>
       </p:sp>
@@ -22041,7 +22140,7 @@
           <p:cNvPr id="4" name="Imagem 3">
             <a:extLst>
               <a:ext uri="{FF2B5EF4-FFF2-40B4-BE49-F238E27FC236}">
-                <a16:creationId xmlns:a16="http://schemas.microsoft.com/office/drawing/2014/main" xmlns="" id="{7CBDA6C0-40C9-4A6E-A6EA-87F71FEC9E49}"/>
+                <a16:creationId xmlns:a16="http://schemas.microsoft.com/office/drawing/2014/main" id="{7CBDA6C0-40C9-4A6E-A6EA-87F71FEC9E49}"/>
               </a:ext>
             </a:extLst>
           </p:cNvPr>
@@ -22108,30 +22207,6 @@
           <a:chExt cx="0" cy="0"/>
         </a:xfrm>
       </p:grpSpPr>
-      <p:pic>
-        <p:nvPicPr>
-          <p:cNvPr id="2" name="Imagem 1"/>
-          <p:cNvPicPr>
-            <a:picLocks noChangeAspect="1"/>
-          </p:cNvPicPr>
-          <p:nvPr/>
-        </p:nvPicPr>
-        <p:blipFill>
-          <a:blip r:embed="rId3"/>
-          <a:stretch>
-            <a:fillRect/>
-          </a:stretch>
-        </p:blipFill>
-        <p:spPr>
-          <a:xfrm>
-            <a:off x="2558142" y="1484092"/>
-            <a:ext cx="3604935" cy="2290264"/>
-          </a:xfrm>
-          <a:prstGeom prst="rect">
-            <a:avLst/>
-          </a:prstGeom>
-        </p:spPr>
-      </p:pic>
       <p:sp>
         <p:nvSpPr>
           <p:cNvPr id="136" name="Google Shape;136;p16"/>
@@ -22179,7 +22254,7 @@
               <a:buNone/>
             </a:pPr>
             <a:r>
-              <a:rPr lang="pt-BR" sz="4000" b="1" dirty="0" smtClean="0">
+              <a:rPr lang="pt-BR" sz="4000" b="1" dirty="0">
                 <a:solidFill>
                   <a:srgbClr val="073763"/>
                 </a:solidFill>
@@ -22210,7 +22285,7 @@
               <a:buNone/>
             </a:pPr>
             <a:r>
-              <a:rPr lang="pt-BR" sz="4000" b="1" dirty="0" smtClean="0">
+              <a:rPr lang="pt-BR" sz="4000" b="1" dirty="0">
                 <a:solidFill>
                   <a:srgbClr val="073763"/>
                 </a:solidFill>
@@ -22221,15 +22296,6 @@
               </a:rPr>
               <a:t>Em Árvore</a:t>
             </a:r>
-            <a:endParaRPr lang="pt-BR" sz="4000" b="1" dirty="0">
-              <a:solidFill>
-                <a:srgbClr val="073763"/>
-              </a:solidFill>
-              <a:latin typeface="Century Gothic"/>
-              <a:ea typeface="Century Gothic"/>
-              <a:cs typeface="Century Gothic"/>
-              <a:sym typeface="Century Gothic"/>
-            </a:endParaRPr>
           </a:p>
         </p:txBody>
       </p:sp>
@@ -22240,7 +22306,7 @@
           <p:nvPr/>
         </p:nvPicPr>
         <p:blipFill rotWithShape="1">
-          <a:blip r:embed="rId4">
+          <a:blip r:embed="rId3">
             <a:alphaModFix/>
           </a:blip>
           <a:srcRect/>
@@ -22327,7 +22393,7 @@
           <p:cNvPr id="11" name="CaixaDeTexto 10">
             <a:extLst>
               <a:ext uri="{FF2B5EF4-FFF2-40B4-BE49-F238E27FC236}">
-                <a16:creationId xmlns:a16="http://schemas.microsoft.com/office/drawing/2014/main" xmlns="" id="{880BA323-3898-4640-8B2C-7901D2BF9BC1}"/>
+                <a16:creationId xmlns:a16="http://schemas.microsoft.com/office/drawing/2014/main" id="{880BA323-3898-4640-8B2C-7901D2BF9BC1}"/>
               </a:ext>
             </a:extLst>
           </p:cNvPr>
@@ -22351,7 +22417,7 @@
           <a:lstStyle/>
           <a:p>
             <a:r>
-              <a:rPr lang="pt-BR" sz="2400" dirty="0" smtClean="0">
+              <a:rPr lang="pt-BR" sz="2400" dirty="0">
                 <a:solidFill>
                   <a:srgbClr val="002060"/>
                 </a:solidFill>
@@ -22376,7 +22442,7 @@
               <a:buChar char="-"/>
             </a:pPr>
             <a:r>
-              <a:rPr lang="pt-BR" sz="2400" dirty="0" smtClean="0">
+              <a:rPr lang="pt-BR" sz="2400" dirty="0">
                 <a:solidFill>
                   <a:srgbClr val="002060"/>
                 </a:solidFill>
@@ -22392,7 +22458,7 @@
               <a:buChar char="-"/>
             </a:pPr>
             <a:r>
-              <a:rPr lang="pt-BR" sz="2400" dirty="0" smtClean="0">
+              <a:rPr lang="pt-BR" sz="2400" dirty="0">
                 <a:solidFill>
                   <a:srgbClr val="002060"/>
                 </a:solidFill>
@@ -22408,7 +22474,7 @@
               <a:buChar char="-"/>
             </a:pPr>
             <a:r>
-              <a:rPr lang="pt-BR" sz="2400" dirty="0" smtClean="0">
+              <a:rPr lang="pt-BR" sz="2400" dirty="0">
                 <a:solidFill>
                   <a:srgbClr val="002060"/>
                 </a:solidFill>
@@ -22425,7 +22491,7 @@
           <p:cNvPr id="7" name="CaixaDeTexto 6">
             <a:extLst>
               <a:ext uri="{FF2B5EF4-FFF2-40B4-BE49-F238E27FC236}">
-                <a16:creationId xmlns="" xmlns:a16="http://schemas.microsoft.com/office/drawing/2014/main" id="{36FB006A-C2F7-4326-896E-5D0F723DB52E}"/>
+                <a16:creationId xmlns:a16="http://schemas.microsoft.com/office/drawing/2014/main" id="{36FB006A-C2F7-4326-896E-5D0F723DB52E}"/>
               </a:ext>
             </a:extLst>
           </p:cNvPr>
@@ -22481,6 +22547,36 @@
           </a:p>
         </p:txBody>
       </p:sp>
+      <p:pic>
+        <p:nvPicPr>
+          <p:cNvPr id="8" name="Imagem 7">
+            <a:extLst>
+              <a:ext uri="{FF2B5EF4-FFF2-40B4-BE49-F238E27FC236}">
+                <a16:creationId xmlns:a16="http://schemas.microsoft.com/office/drawing/2014/main" id="{3FD88570-E60C-4B9B-8796-2F79BB0A14BE}"/>
+              </a:ext>
+            </a:extLst>
+          </p:cNvPr>
+          <p:cNvPicPr>
+            <a:picLocks noChangeAspect="1"/>
+          </p:cNvPicPr>
+          <p:nvPr/>
+        </p:nvPicPr>
+        <p:blipFill>
+          <a:blip r:embed="rId4"/>
+          <a:stretch>
+            <a:fillRect/>
+          </a:stretch>
+        </p:blipFill>
+        <p:spPr>
+          <a:xfrm>
+            <a:off x="2398308" y="1832049"/>
+            <a:ext cx="3291873" cy="2353281"/>
+          </a:xfrm>
+          <a:prstGeom prst="rect">
+            <a:avLst/>
+          </a:prstGeom>
+        </p:spPr>
+      </p:pic>
     </p:spTree>
     <p:extLst>
       <p:ext uri="{BB962C8B-B14F-4D97-AF65-F5344CB8AC3E}">
@@ -22503,13 +22599,6 @@
       </p:transition>
     </mc:Fallback>
   </mc:AlternateContent>
-  <p:timing>
-    <p:tnLst>
-      <p:par>
-        <p:cTn id="1" dur="indefinite" restart="never" nodeType="tmRoot"/>
-      </p:par>
-    </p:tnLst>
-  </p:timing>
 </p:sld>
 </file>
 
@@ -22530,30 +22619,6 @@
           <a:chExt cx="0" cy="0"/>
         </a:xfrm>
       </p:grpSpPr>
-      <p:pic>
-        <p:nvPicPr>
-          <p:cNvPr id="2" name="Imagem 1"/>
-          <p:cNvPicPr>
-            <a:picLocks noChangeAspect="1"/>
-          </p:cNvPicPr>
-          <p:nvPr/>
-        </p:nvPicPr>
-        <p:blipFill>
-          <a:blip r:embed="rId3"/>
-          <a:stretch>
-            <a:fillRect/>
-          </a:stretch>
-        </p:blipFill>
-        <p:spPr>
-          <a:xfrm>
-            <a:off x="5266922" y="711206"/>
-            <a:ext cx="3604935" cy="2290264"/>
-          </a:xfrm>
-          <a:prstGeom prst="rect">
-            <a:avLst/>
-          </a:prstGeom>
-        </p:spPr>
-      </p:pic>
       <p:sp>
         <p:nvSpPr>
           <p:cNvPr id="136" name="Google Shape;136;p16"/>
@@ -22599,29 +22664,8 @@
                 <a:cs typeface="Century Gothic"/>
                 <a:sym typeface="Century Gothic"/>
               </a:rPr>
-              <a:t>Atravessamento </a:t>
+              <a:t>Atravessamento IN-ORDEM</a:t>
             </a:r>
-            <a:r>
-              <a:rPr lang="pt-BR" sz="4000" b="1" dirty="0" smtClean="0">
-                <a:solidFill>
-                  <a:srgbClr val="073763"/>
-                </a:solidFill>
-                <a:latin typeface="Century Gothic"/>
-                <a:ea typeface="Century Gothic"/>
-                <a:cs typeface="Century Gothic"/>
-                <a:sym typeface="Century Gothic"/>
-              </a:rPr>
-              <a:t>IN-ORDEM</a:t>
-            </a:r>
-            <a:endParaRPr lang="pt-BR" sz="4000" b="1" dirty="0">
-              <a:solidFill>
-                <a:srgbClr val="073763"/>
-              </a:solidFill>
-              <a:latin typeface="Century Gothic"/>
-              <a:ea typeface="Century Gothic"/>
-              <a:cs typeface="Century Gothic"/>
-              <a:sym typeface="Century Gothic"/>
-            </a:endParaRPr>
           </a:p>
         </p:txBody>
       </p:sp>
@@ -22632,7 +22676,7 @@
           <p:nvPr/>
         </p:nvPicPr>
         <p:blipFill rotWithShape="1">
-          <a:blip r:embed="rId4">
+          <a:blip r:embed="rId3">
             <a:alphaModFix/>
           </a:blip>
           <a:srcRect/>
@@ -22719,7 +22763,7 @@
           <p:cNvPr id="11" name="CaixaDeTexto 10">
             <a:extLst>
               <a:ext uri="{FF2B5EF4-FFF2-40B4-BE49-F238E27FC236}">
-                <a16:creationId xmlns:a16="http://schemas.microsoft.com/office/drawing/2014/main" xmlns="" id="{880BA323-3898-4640-8B2C-7901D2BF9BC1}"/>
+                <a16:creationId xmlns:a16="http://schemas.microsoft.com/office/drawing/2014/main" id="{880BA323-3898-4640-8B2C-7901D2BF9BC1}"/>
               </a:ext>
             </a:extLst>
           </p:cNvPr>
@@ -22743,7 +22787,7 @@
           <a:lstStyle/>
           <a:p>
             <a:r>
-              <a:rPr lang="pt-BR" sz="2400" dirty="0" smtClean="0">
+              <a:rPr lang="pt-BR" sz="2400" dirty="0">
                 <a:solidFill>
                   <a:srgbClr val="002060"/>
                 </a:solidFill>
@@ -22752,13 +22796,6 @@
               </a:rPr>
               <a:t>Saída:</a:t>
             </a:r>
-            <a:endParaRPr lang="pt-BR" sz="2400" dirty="0">
-              <a:solidFill>
-                <a:srgbClr val="002060"/>
-              </a:solidFill>
-              <a:latin typeface="Calibri" panose="020F0502020204030204" pitchFamily="34" charset="0"/>
-              <a:cs typeface="Calibri" panose="020F0502020204030204" pitchFamily="34" charset="0"/>
-            </a:endParaRPr>
           </a:p>
           <a:p>
             <a:pPr marL="342900" indent="-342900">
@@ -22766,22 +22803,15 @@
               <a:buChar char="-"/>
             </a:pPr>
             <a:r>
-              <a:rPr lang="pt-BR" sz="2400" dirty="0" smtClean="0">
+              <a:rPr lang="pt-BR" sz="2400" dirty="0">
                 <a:solidFill>
                   <a:srgbClr val="002060"/>
                 </a:solidFill>
                 <a:latin typeface="Calibri" panose="020F0502020204030204" pitchFamily="34" charset="0"/>
                 <a:cs typeface="Calibri" panose="020F0502020204030204" pitchFamily="34" charset="0"/>
               </a:rPr>
-              <a:t>1,2,3,4,5,6 e 7</a:t>
+              <a:t>2, 10, 12, 13, 20, 25, 29 e 31</a:t>
             </a:r>
-            <a:endParaRPr lang="pt-BR" sz="2400" dirty="0">
-              <a:solidFill>
-                <a:srgbClr val="002060"/>
-              </a:solidFill>
-              <a:latin typeface="Calibri" panose="020F0502020204030204" pitchFamily="34" charset="0"/>
-              <a:cs typeface="Calibri" panose="020F0502020204030204" pitchFamily="34" charset="0"/>
-            </a:endParaRPr>
           </a:p>
         </p:txBody>
       </p:sp>
@@ -22790,7 +22820,7 @@
           <p:cNvPr id="7" name="CaixaDeTexto 6">
             <a:extLst>
               <a:ext uri="{FF2B5EF4-FFF2-40B4-BE49-F238E27FC236}">
-                <a16:creationId xmlns="" xmlns:a16="http://schemas.microsoft.com/office/drawing/2014/main" id="{36FB006A-C2F7-4326-896E-5D0F723DB52E}"/>
+                <a16:creationId xmlns:a16="http://schemas.microsoft.com/office/drawing/2014/main" id="{36FB006A-C2F7-4326-896E-5D0F723DB52E}"/>
               </a:ext>
             </a:extLst>
           </p:cNvPr>
@@ -22855,7 +22885,7 @@
           <p:nvPr/>
         </p:nvPicPr>
         <p:blipFill>
-          <a:blip r:embed="rId5">
+          <a:blip r:embed="rId4">
             <a:extLst>
               <a:ext uri="{28A0092B-C50C-407E-A947-70E740481C1C}">
                 <a14:useLocalDpi xmlns:a14="http://schemas.microsoft.com/office/drawing/2010/main" val="0"/>
@@ -22870,6 +22900,36 @@
           <a:xfrm>
             <a:off x="168729" y="2054370"/>
             <a:ext cx="4924022" cy="2639453"/>
+          </a:xfrm>
+          <a:prstGeom prst="rect">
+            <a:avLst/>
+          </a:prstGeom>
+        </p:spPr>
+      </p:pic>
+      <p:pic>
+        <p:nvPicPr>
+          <p:cNvPr id="9" name="Imagem 8">
+            <a:extLst>
+              <a:ext uri="{FF2B5EF4-FFF2-40B4-BE49-F238E27FC236}">
+                <a16:creationId xmlns:a16="http://schemas.microsoft.com/office/drawing/2014/main" id="{4F8F1969-565E-4AD0-969E-D0FBD3C7542E}"/>
+              </a:ext>
+            </a:extLst>
+          </p:cNvPr>
+          <p:cNvPicPr>
+            <a:picLocks noChangeAspect="1"/>
+          </p:cNvPicPr>
+          <p:nvPr/>
+        </p:nvPicPr>
+        <p:blipFill>
+          <a:blip r:embed="rId5"/>
+          <a:stretch>
+            <a:fillRect/>
+          </a:stretch>
+        </p:blipFill>
+        <p:spPr>
+          <a:xfrm>
+            <a:off x="5092751" y="739230"/>
+            <a:ext cx="3291873" cy="2353281"/>
           </a:xfrm>
           <a:prstGeom prst="rect">
             <a:avLst/>
@@ -22898,13 +22958,6 @@
       </p:transition>
     </mc:Fallback>
   </mc:AlternateContent>
-  <p:timing>
-    <p:tnLst>
-      <p:par>
-        <p:cTn id="1" dur="indefinite" restart="never" nodeType="tmRoot"/>
-      </p:par>
-    </p:tnLst>
-  </p:timing>
 </p:sld>
 </file>
 
@@ -22925,30 +22978,6 @@
           <a:chExt cx="0" cy="0"/>
         </a:xfrm>
       </p:grpSpPr>
-      <p:pic>
-        <p:nvPicPr>
-          <p:cNvPr id="2" name="Imagem 1"/>
-          <p:cNvPicPr>
-            <a:picLocks noChangeAspect="1"/>
-          </p:cNvPicPr>
-          <p:nvPr/>
-        </p:nvPicPr>
-        <p:blipFill>
-          <a:blip r:embed="rId3"/>
-          <a:stretch>
-            <a:fillRect/>
-          </a:stretch>
-        </p:blipFill>
-        <p:spPr>
-          <a:xfrm>
-            <a:off x="5266922" y="711206"/>
-            <a:ext cx="3604935" cy="2290264"/>
-          </a:xfrm>
-          <a:prstGeom prst="rect">
-            <a:avLst/>
-          </a:prstGeom>
-        </p:spPr>
-      </p:pic>
       <p:sp>
         <p:nvSpPr>
           <p:cNvPr id="136" name="Google Shape;136;p16"/>
@@ -22994,29 +23023,8 @@
                 <a:cs typeface="Century Gothic"/>
                 <a:sym typeface="Century Gothic"/>
               </a:rPr>
-              <a:t>Atravessamento </a:t>
+              <a:t>Atravessamento PRÉ-ORDEM</a:t>
             </a:r>
-            <a:r>
-              <a:rPr lang="pt-BR" sz="4000" b="1" dirty="0" smtClean="0">
-                <a:solidFill>
-                  <a:srgbClr val="073763"/>
-                </a:solidFill>
-                <a:latin typeface="Century Gothic"/>
-                <a:ea typeface="Century Gothic"/>
-                <a:cs typeface="Century Gothic"/>
-                <a:sym typeface="Century Gothic"/>
-              </a:rPr>
-              <a:t>PRÉ-ORDEM</a:t>
-            </a:r>
-            <a:endParaRPr lang="pt-BR" sz="4000" b="1" dirty="0">
-              <a:solidFill>
-                <a:srgbClr val="073763"/>
-              </a:solidFill>
-              <a:latin typeface="Century Gothic"/>
-              <a:ea typeface="Century Gothic"/>
-              <a:cs typeface="Century Gothic"/>
-              <a:sym typeface="Century Gothic"/>
-            </a:endParaRPr>
           </a:p>
         </p:txBody>
       </p:sp>
@@ -23027,7 +23035,7 @@
           <p:nvPr/>
         </p:nvPicPr>
         <p:blipFill rotWithShape="1">
-          <a:blip r:embed="rId4">
+          <a:blip r:embed="rId3">
             <a:alphaModFix/>
           </a:blip>
           <a:srcRect/>
@@ -23114,7 +23122,7 @@
           <p:cNvPr id="11" name="CaixaDeTexto 10">
             <a:extLst>
               <a:ext uri="{FF2B5EF4-FFF2-40B4-BE49-F238E27FC236}">
-                <a16:creationId xmlns:a16="http://schemas.microsoft.com/office/drawing/2014/main" xmlns="" id="{880BA323-3898-4640-8B2C-7901D2BF9BC1}"/>
+                <a16:creationId xmlns:a16="http://schemas.microsoft.com/office/drawing/2014/main" id="{880BA323-3898-4640-8B2C-7901D2BF9BC1}"/>
               </a:ext>
             </a:extLst>
           </p:cNvPr>
@@ -23138,7 +23146,7 @@
           <a:lstStyle/>
           <a:p>
             <a:r>
-              <a:rPr lang="pt-BR" sz="2400" dirty="0" smtClean="0">
+              <a:rPr lang="pt-BR" sz="2400" dirty="0">
                 <a:solidFill>
                   <a:srgbClr val="002060"/>
                 </a:solidFill>
@@ -23147,13 +23155,6 @@
               </a:rPr>
               <a:t>Saída:</a:t>
             </a:r>
-            <a:endParaRPr lang="pt-BR" sz="2400" dirty="0">
-              <a:solidFill>
-                <a:srgbClr val="002060"/>
-              </a:solidFill>
-              <a:latin typeface="Calibri" panose="020F0502020204030204" pitchFamily="34" charset="0"/>
-              <a:cs typeface="Calibri" panose="020F0502020204030204" pitchFamily="34" charset="0"/>
-            </a:endParaRPr>
           </a:p>
           <a:p>
             <a:pPr marL="342900" indent="-342900">
@@ -23161,22 +23162,15 @@
               <a:buChar char="-"/>
             </a:pPr>
             <a:r>
-              <a:rPr lang="pt-BR" sz="2400" dirty="0" smtClean="0">
+              <a:rPr lang="pt-BR" sz="2400" dirty="0">
                 <a:solidFill>
                   <a:srgbClr val="002060"/>
                 </a:solidFill>
                 <a:latin typeface="Calibri" panose="020F0502020204030204" pitchFamily="34" charset="0"/>
                 <a:cs typeface="Calibri" panose="020F0502020204030204" pitchFamily="34" charset="0"/>
               </a:rPr>
-              <a:t>4,2,1,3,6,5 e 7</a:t>
+              <a:t>13, 10, 2, 12, 25, 20, 31 e 29</a:t>
             </a:r>
-            <a:endParaRPr lang="pt-BR" sz="2400" dirty="0">
-              <a:solidFill>
-                <a:srgbClr val="002060"/>
-              </a:solidFill>
-              <a:latin typeface="Calibri" panose="020F0502020204030204" pitchFamily="34" charset="0"/>
-              <a:cs typeface="Calibri" panose="020F0502020204030204" pitchFamily="34" charset="0"/>
-            </a:endParaRPr>
           </a:p>
         </p:txBody>
       </p:sp>
@@ -23185,7 +23179,7 @@
           <p:cNvPr id="7" name="CaixaDeTexto 6">
             <a:extLst>
               <a:ext uri="{FF2B5EF4-FFF2-40B4-BE49-F238E27FC236}">
-                <a16:creationId xmlns="" xmlns:a16="http://schemas.microsoft.com/office/drawing/2014/main" id="{36FB006A-C2F7-4326-896E-5D0F723DB52E}"/>
+                <a16:creationId xmlns:a16="http://schemas.microsoft.com/office/drawing/2014/main" id="{36FB006A-C2F7-4326-896E-5D0F723DB52E}"/>
               </a:ext>
             </a:extLst>
           </p:cNvPr>
@@ -23250,7 +23244,7 @@
           <p:nvPr/>
         </p:nvPicPr>
         <p:blipFill>
-          <a:blip r:embed="rId5">
+          <a:blip r:embed="rId4">
             <a:extLst>
               <a:ext uri="{28A0092B-C50C-407E-A947-70E740481C1C}">
                 <a14:useLocalDpi xmlns:a14="http://schemas.microsoft.com/office/drawing/2010/main" val="0"/>
@@ -23265,6 +23259,36 @@
           <a:xfrm>
             <a:off x="168730" y="2052502"/>
             <a:ext cx="4919122" cy="2636827"/>
+          </a:xfrm>
+          <a:prstGeom prst="rect">
+            <a:avLst/>
+          </a:prstGeom>
+        </p:spPr>
+      </p:pic>
+      <p:pic>
+        <p:nvPicPr>
+          <p:cNvPr id="9" name="Imagem 8">
+            <a:extLst>
+              <a:ext uri="{FF2B5EF4-FFF2-40B4-BE49-F238E27FC236}">
+                <a16:creationId xmlns:a16="http://schemas.microsoft.com/office/drawing/2014/main" id="{337B1BFF-9F8B-4123-B992-E0C5C72369C6}"/>
+              </a:ext>
+            </a:extLst>
+          </p:cNvPr>
+          <p:cNvPicPr>
+            <a:picLocks noChangeAspect="1"/>
+          </p:cNvPicPr>
+          <p:nvPr/>
+        </p:nvPicPr>
+        <p:blipFill>
+          <a:blip r:embed="rId5"/>
+          <a:stretch>
+            <a:fillRect/>
+          </a:stretch>
+        </p:blipFill>
+        <p:spPr>
+          <a:xfrm>
+            <a:off x="5092751" y="739230"/>
+            <a:ext cx="3291873" cy="2353281"/>
           </a:xfrm>
           <a:prstGeom prst="rect">
             <a:avLst/>
@@ -23293,13 +23317,6 @@
       </p:transition>
     </mc:Fallback>
   </mc:AlternateContent>
-  <p:timing>
-    <p:tnLst>
-      <p:par>
-        <p:cTn id="1" dur="indefinite" restart="never" nodeType="tmRoot"/>
-      </p:par>
-    </p:tnLst>
-  </p:timing>
 </p:sld>
 </file>
 
@@ -23320,30 +23337,6 @@
           <a:chExt cx="0" cy="0"/>
         </a:xfrm>
       </p:grpSpPr>
-      <p:pic>
-        <p:nvPicPr>
-          <p:cNvPr id="2" name="Imagem 1"/>
-          <p:cNvPicPr>
-            <a:picLocks noChangeAspect="1"/>
-          </p:cNvPicPr>
-          <p:nvPr/>
-        </p:nvPicPr>
-        <p:blipFill>
-          <a:blip r:embed="rId3"/>
-          <a:stretch>
-            <a:fillRect/>
-          </a:stretch>
-        </p:blipFill>
-        <p:spPr>
-          <a:xfrm>
-            <a:off x="5266922" y="711206"/>
-            <a:ext cx="3604935" cy="2290264"/>
-          </a:xfrm>
-          <a:prstGeom prst="rect">
-            <a:avLst/>
-          </a:prstGeom>
-        </p:spPr>
-      </p:pic>
       <p:sp>
         <p:nvSpPr>
           <p:cNvPr id="136" name="Google Shape;136;p16"/>
@@ -23356,7 +23349,7 @@
         </p:nvSpPr>
         <p:spPr>
           <a:xfrm>
-            <a:off x="1796146" y="232128"/>
+            <a:off x="1719944" y="232128"/>
             <a:ext cx="7341870" cy="591351"/>
           </a:xfrm>
           <a:prstGeom prst="rect">
@@ -23389,29 +23382,8 @@
                 <a:cs typeface="Century Gothic"/>
                 <a:sym typeface="Century Gothic"/>
               </a:rPr>
-              <a:t>Atravessamento </a:t>
+              <a:t>Atravessamento PRÉ-ORDEM</a:t>
             </a:r>
-            <a:r>
-              <a:rPr lang="pt-BR" sz="4000" b="1" dirty="0" smtClean="0">
-                <a:solidFill>
-                  <a:srgbClr val="073763"/>
-                </a:solidFill>
-                <a:latin typeface="Century Gothic"/>
-                <a:ea typeface="Century Gothic"/>
-                <a:cs typeface="Century Gothic"/>
-                <a:sym typeface="Century Gothic"/>
-              </a:rPr>
-              <a:t>PÓS-ORDEM</a:t>
-            </a:r>
-            <a:endParaRPr lang="pt-BR" sz="4000" b="1" dirty="0">
-              <a:solidFill>
-                <a:srgbClr val="073763"/>
-              </a:solidFill>
-              <a:latin typeface="Century Gothic"/>
-              <a:ea typeface="Century Gothic"/>
-              <a:cs typeface="Century Gothic"/>
-              <a:sym typeface="Century Gothic"/>
-            </a:endParaRPr>
           </a:p>
         </p:txBody>
       </p:sp>
@@ -23422,7 +23394,7 @@
           <p:nvPr/>
         </p:nvPicPr>
         <p:blipFill rotWithShape="1">
-          <a:blip r:embed="rId4">
+          <a:blip r:embed="rId3">
             <a:alphaModFix/>
           </a:blip>
           <a:srcRect/>
@@ -23509,7 +23481,7 @@
           <p:cNvPr id="11" name="CaixaDeTexto 10">
             <a:extLst>
               <a:ext uri="{FF2B5EF4-FFF2-40B4-BE49-F238E27FC236}">
-                <a16:creationId xmlns:a16="http://schemas.microsoft.com/office/drawing/2014/main" xmlns="" id="{880BA323-3898-4640-8B2C-7901D2BF9BC1}"/>
+                <a16:creationId xmlns:a16="http://schemas.microsoft.com/office/drawing/2014/main" id="{880BA323-3898-4640-8B2C-7901D2BF9BC1}"/>
               </a:ext>
             </a:extLst>
           </p:cNvPr>
@@ -23533,7 +23505,7 @@
           <a:lstStyle/>
           <a:p>
             <a:r>
-              <a:rPr lang="pt-BR" sz="2400" dirty="0" smtClean="0">
+              <a:rPr lang="pt-BR" sz="2400" dirty="0">
                 <a:solidFill>
                   <a:srgbClr val="002060"/>
                 </a:solidFill>
@@ -23542,13 +23514,6 @@
               </a:rPr>
               <a:t>Saída:</a:t>
             </a:r>
-            <a:endParaRPr lang="pt-BR" sz="2400" dirty="0">
-              <a:solidFill>
-                <a:srgbClr val="002060"/>
-              </a:solidFill>
-              <a:latin typeface="Calibri" panose="020F0502020204030204" pitchFamily="34" charset="0"/>
-              <a:cs typeface="Calibri" panose="020F0502020204030204" pitchFamily="34" charset="0"/>
-            </a:endParaRPr>
           </a:p>
           <a:p>
             <a:pPr marL="342900" indent="-342900">
@@ -23563,15 +23528,8 @@
                 <a:latin typeface="Calibri" panose="020F0502020204030204" pitchFamily="34" charset="0"/>
                 <a:cs typeface="Calibri" panose="020F0502020204030204" pitchFamily="34" charset="0"/>
               </a:rPr>
-              <a:t>1,3,2,5,7,6 e 4</a:t>
+              <a:t>13, 10, 2, 12, 25, 20, 31 e 29</a:t>
             </a:r>
-            <a:endParaRPr lang="pt-BR" sz="2400" dirty="0">
-              <a:solidFill>
-                <a:srgbClr val="002060"/>
-              </a:solidFill>
-              <a:latin typeface="Calibri" panose="020F0502020204030204" pitchFamily="34" charset="0"/>
-              <a:cs typeface="Calibri" panose="020F0502020204030204" pitchFamily="34" charset="0"/>
-            </a:endParaRPr>
           </a:p>
         </p:txBody>
       </p:sp>
@@ -23580,7 +23538,7 @@
           <p:cNvPr id="7" name="CaixaDeTexto 6">
             <a:extLst>
               <a:ext uri="{FF2B5EF4-FFF2-40B4-BE49-F238E27FC236}">
-                <a16:creationId xmlns="" xmlns:a16="http://schemas.microsoft.com/office/drawing/2014/main" id="{36FB006A-C2F7-4326-896E-5D0F723DB52E}"/>
+                <a16:creationId xmlns:a16="http://schemas.microsoft.com/office/drawing/2014/main" id="{36FB006A-C2F7-4326-896E-5D0F723DB52E}"/>
               </a:ext>
             </a:extLst>
           </p:cNvPr>
@@ -23638,6 +23596,685 @@
       </p:sp>
       <p:pic>
         <p:nvPicPr>
+          <p:cNvPr id="4" name="Imagem 3"/>
+          <p:cNvPicPr>
+            <a:picLocks noChangeAspect="1"/>
+          </p:cNvPicPr>
+          <p:nvPr/>
+        </p:nvPicPr>
+        <p:blipFill>
+          <a:blip r:embed="rId4">
+            <a:extLst>
+              <a:ext uri="{28A0092B-C50C-407E-A947-70E740481C1C}">
+                <a14:useLocalDpi xmlns:a14="http://schemas.microsoft.com/office/drawing/2010/main" val="0"/>
+              </a:ext>
+            </a:extLst>
+          </a:blip>
+          <a:stretch>
+            <a:fillRect/>
+          </a:stretch>
+        </p:blipFill>
+        <p:spPr>
+          <a:xfrm>
+            <a:off x="168730" y="2052502"/>
+            <a:ext cx="4919122" cy="2636827"/>
+          </a:xfrm>
+          <a:prstGeom prst="rect">
+            <a:avLst/>
+          </a:prstGeom>
+        </p:spPr>
+      </p:pic>
+      <p:pic>
+        <p:nvPicPr>
+          <p:cNvPr id="9" name="Imagem 8">
+            <a:extLst>
+              <a:ext uri="{FF2B5EF4-FFF2-40B4-BE49-F238E27FC236}">
+                <a16:creationId xmlns:a16="http://schemas.microsoft.com/office/drawing/2014/main" id="{337B1BFF-9F8B-4123-B992-E0C5C72369C6}"/>
+              </a:ext>
+            </a:extLst>
+          </p:cNvPr>
+          <p:cNvPicPr>
+            <a:picLocks noChangeAspect="1"/>
+          </p:cNvPicPr>
+          <p:nvPr/>
+        </p:nvPicPr>
+        <p:blipFill>
+          <a:blip r:embed="rId5"/>
+          <a:stretch>
+            <a:fillRect/>
+          </a:stretch>
+        </p:blipFill>
+        <p:spPr>
+          <a:xfrm>
+            <a:off x="5092751" y="739230"/>
+            <a:ext cx="3291873" cy="2353281"/>
+          </a:xfrm>
+          <a:prstGeom prst="rect">
+            <a:avLst/>
+          </a:prstGeom>
+        </p:spPr>
+      </p:pic>
+      <p:cxnSp>
+        <p:nvCxnSpPr>
+          <p:cNvPr id="3" name="Conector reto 2">
+            <a:extLst>
+              <a:ext uri="{FF2B5EF4-FFF2-40B4-BE49-F238E27FC236}">
+                <a16:creationId xmlns:a16="http://schemas.microsoft.com/office/drawing/2014/main" id="{B1C4D348-9B3D-4641-A9AD-428EB8B6175F}"/>
+              </a:ext>
+            </a:extLst>
+          </p:cNvPr>
+          <p:cNvCxnSpPr/>
+          <p:nvPr/>
+        </p:nvCxnSpPr>
+        <p:spPr>
+          <a:xfrm flipH="1">
+            <a:off x="5087852" y="923838"/>
+            <a:ext cx="1915114" cy="1585184"/>
+          </a:xfrm>
+          <a:prstGeom prst="line">
+            <a:avLst/>
+          </a:prstGeom>
+          <a:ln>
+            <a:solidFill>
+              <a:srgbClr val="FF0000"/>
+            </a:solidFill>
+          </a:ln>
+        </p:spPr>
+        <p:style>
+          <a:lnRef idx="3">
+            <a:schemeClr val="accent1"/>
+          </a:lnRef>
+          <a:fillRef idx="0">
+            <a:schemeClr val="accent1"/>
+          </a:fillRef>
+          <a:effectRef idx="2">
+            <a:schemeClr val="accent1"/>
+          </a:effectRef>
+          <a:fontRef idx="minor">
+            <a:schemeClr val="tx1"/>
+          </a:fontRef>
+        </p:style>
+      </p:cxnSp>
+      <p:cxnSp>
+        <p:nvCxnSpPr>
+          <p:cNvPr id="12" name="Conector reto 11">
+            <a:extLst>
+              <a:ext uri="{FF2B5EF4-FFF2-40B4-BE49-F238E27FC236}">
+                <a16:creationId xmlns:a16="http://schemas.microsoft.com/office/drawing/2014/main" id="{51F17668-CE6C-400C-9084-ECC4BA57F5BE}"/>
+              </a:ext>
+            </a:extLst>
+          </p:cNvPr>
+          <p:cNvCxnSpPr/>
+          <p:nvPr/>
+        </p:nvCxnSpPr>
+        <p:spPr>
+          <a:xfrm flipH="1">
+            <a:off x="5608240" y="942429"/>
+            <a:ext cx="1915114" cy="1585184"/>
+          </a:xfrm>
+          <a:prstGeom prst="line">
+            <a:avLst/>
+          </a:prstGeom>
+          <a:ln>
+            <a:solidFill>
+              <a:srgbClr val="FF0000"/>
+            </a:solidFill>
+          </a:ln>
+        </p:spPr>
+        <p:style>
+          <a:lnRef idx="3">
+            <a:schemeClr val="accent1"/>
+          </a:lnRef>
+          <a:fillRef idx="0">
+            <a:schemeClr val="accent1"/>
+          </a:fillRef>
+          <a:effectRef idx="2">
+            <a:schemeClr val="accent1"/>
+          </a:effectRef>
+          <a:fontRef idx="minor">
+            <a:schemeClr val="tx1"/>
+          </a:fontRef>
+        </p:style>
+      </p:cxnSp>
+      <p:cxnSp>
+        <p:nvCxnSpPr>
+          <p:cNvPr id="13" name="Conector reto 12">
+            <a:extLst>
+              <a:ext uri="{FF2B5EF4-FFF2-40B4-BE49-F238E27FC236}">
+                <a16:creationId xmlns:a16="http://schemas.microsoft.com/office/drawing/2014/main" id="{CD6BDCB1-D6AA-4A66-8288-E944380D8493}"/>
+              </a:ext>
+            </a:extLst>
+          </p:cNvPr>
+          <p:cNvCxnSpPr/>
+          <p:nvPr/>
+        </p:nvCxnSpPr>
+        <p:spPr>
+          <a:xfrm flipH="1">
+            <a:off x="6217839" y="972171"/>
+            <a:ext cx="1915114" cy="1585184"/>
+          </a:xfrm>
+          <a:prstGeom prst="line">
+            <a:avLst/>
+          </a:prstGeom>
+          <a:ln>
+            <a:solidFill>
+              <a:srgbClr val="FF0000"/>
+            </a:solidFill>
+          </a:ln>
+        </p:spPr>
+        <p:style>
+          <a:lnRef idx="3">
+            <a:schemeClr val="accent1"/>
+          </a:lnRef>
+          <a:fillRef idx="0">
+            <a:schemeClr val="accent1"/>
+          </a:fillRef>
+          <a:effectRef idx="2">
+            <a:schemeClr val="accent1"/>
+          </a:effectRef>
+          <a:fontRef idx="minor">
+            <a:schemeClr val="tx1"/>
+          </a:fontRef>
+        </p:style>
+      </p:cxnSp>
+      <p:cxnSp>
+        <p:nvCxnSpPr>
+          <p:cNvPr id="14" name="Conector reto 13">
+            <a:extLst>
+              <a:ext uri="{FF2B5EF4-FFF2-40B4-BE49-F238E27FC236}">
+                <a16:creationId xmlns:a16="http://schemas.microsoft.com/office/drawing/2014/main" id="{CF50EA9F-F818-4B32-974B-42A8FFA99E1B}"/>
+              </a:ext>
+            </a:extLst>
+          </p:cNvPr>
+          <p:cNvCxnSpPr/>
+          <p:nvPr/>
+        </p:nvCxnSpPr>
+        <p:spPr>
+          <a:xfrm flipH="1">
+            <a:off x="6961252" y="1492558"/>
+            <a:ext cx="1915114" cy="1585184"/>
+          </a:xfrm>
+          <a:prstGeom prst="line">
+            <a:avLst/>
+          </a:prstGeom>
+          <a:ln>
+            <a:solidFill>
+              <a:srgbClr val="FF0000"/>
+            </a:solidFill>
+          </a:ln>
+        </p:spPr>
+        <p:style>
+          <a:lnRef idx="3">
+            <a:schemeClr val="accent1"/>
+          </a:lnRef>
+          <a:fillRef idx="0">
+            <a:schemeClr val="accent1"/>
+          </a:fillRef>
+          <a:effectRef idx="2">
+            <a:schemeClr val="accent1"/>
+          </a:effectRef>
+          <a:fontRef idx="minor">
+            <a:schemeClr val="tx1"/>
+          </a:fontRef>
+        </p:style>
+      </p:cxnSp>
+      <p:sp>
+        <p:nvSpPr>
+          <p:cNvPr id="5" name="CaixaDeTexto 4">
+            <a:extLst>
+              <a:ext uri="{FF2B5EF4-FFF2-40B4-BE49-F238E27FC236}">
+                <a16:creationId xmlns:a16="http://schemas.microsoft.com/office/drawing/2014/main" id="{571397BE-0FAD-4AD7-B014-10A913AD49EA}"/>
+              </a:ext>
+            </a:extLst>
+          </p:cNvPr>
+          <p:cNvSpPr txBox="1"/>
+          <p:nvPr/>
+        </p:nvSpPr>
+        <p:spPr>
+          <a:xfrm>
+            <a:off x="4760969" y="2416689"/>
+            <a:ext cx="397866" cy="369332"/>
+          </a:xfrm>
+          <a:prstGeom prst="rect">
+            <a:avLst/>
+          </a:prstGeom>
+          <a:noFill/>
+        </p:spPr>
+        <p:txBody>
+          <a:bodyPr wrap="none" rtlCol="0">
+            <a:spAutoFit/>
+          </a:bodyPr>
+          <a:lstStyle/>
+          <a:p>
+            <a:r>
+              <a:rPr lang="pt-BR" sz="1800" b="1" dirty="0">
+                <a:solidFill>
+                  <a:srgbClr val="FF0000"/>
+                </a:solidFill>
+              </a:rPr>
+              <a:t>1ª</a:t>
+            </a:r>
+          </a:p>
+        </p:txBody>
+      </p:sp>
+      <p:sp>
+        <p:nvSpPr>
+          <p:cNvPr id="15" name="CaixaDeTexto 14">
+            <a:extLst>
+              <a:ext uri="{FF2B5EF4-FFF2-40B4-BE49-F238E27FC236}">
+                <a16:creationId xmlns:a16="http://schemas.microsoft.com/office/drawing/2014/main" id="{D45156E9-59D9-4FED-8798-4A7F331FC46C}"/>
+              </a:ext>
+            </a:extLst>
+          </p:cNvPr>
+          <p:cNvSpPr txBox="1"/>
+          <p:nvPr/>
+        </p:nvSpPr>
+        <p:spPr>
+          <a:xfrm>
+            <a:off x="5258639" y="2492657"/>
+            <a:ext cx="397866" cy="369332"/>
+          </a:xfrm>
+          <a:prstGeom prst="rect">
+            <a:avLst/>
+          </a:prstGeom>
+          <a:noFill/>
+        </p:spPr>
+        <p:txBody>
+          <a:bodyPr wrap="none" rtlCol="0">
+            <a:spAutoFit/>
+          </a:bodyPr>
+          <a:lstStyle/>
+          <a:p>
+            <a:r>
+              <a:rPr lang="pt-BR" sz="1800" b="1" dirty="0">
+                <a:solidFill>
+                  <a:srgbClr val="FF0000"/>
+                </a:solidFill>
+              </a:rPr>
+              <a:t>2ª</a:t>
+            </a:r>
+          </a:p>
+        </p:txBody>
+      </p:sp>
+      <p:sp>
+        <p:nvSpPr>
+          <p:cNvPr id="16" name="CaixaDeTexto 15">
+            <a:extLst>
+              <a:ext uri="{FF2B5EF4-FFF2-40B4-BE49-F238E27FC236}">
+                <a16:creationId xmlns:a16="http://schemas.microsoft.com/office/drawing/2014/main" id="{1A16F1DA-937D-41D0-ADB3-2679C501DCB6}"/>
+              </a:ext>
+            </a:extLst>
+          </p:cNvPr>
+          <p:cNvSpPr txBox="1"/>
+          <p:nvPr/>
+        </p:nvSpPr>
+        <p:spPr>
+          <a:xfrm>
+            <a:off x="5916306" y="2523134"/>
+            <a:ext cx="397866" cy="369332"/>
+          </a:xfrm>
+          <a:prstGeom prst="rect">
+            <a:avLst/>
+          </a:prstGeom>
+          <a:noFill/>
+        </p:spPr>
+        <p:txBody>
+          <a:bodyPr wrap="none" rtlCol="0">
+            <a:spAutoFit/>
+          </a:bodyPr>
+          <a:lstStyle/>
+          <a:p>
+            <a:r>
+              <a:rPr lang="pt-BR" sz="1800" b="1" dirty="0">
+                <a:solidFill>
+                  <a:srgbClr val="FF0000"/>
+                </a:solidFill>
+              </a:rPr>
+              <a:t>3ª</a:t>
+            </a:r>
+          </a:p>
+        </p:txBody>
+      </p:sp>
+      <p:sp>
+        <p:nvSpPr>
+          <p:cNvPr id="17" name="CaixaDeTexto 16">
+            <a:extLst>
+              <a:ext uri="{FF2B5EF4-FFF2-40B4-BE49-F238E27FC236}">
+                <a16:creationId xmlns:a16="http://schemas.microsoft.com/office/drawing/2014/main" id="{B0E3021B-C826-42E8-AAB9-2165426DD2B4}"/>
+              </a:ext>
+            </a:extLst>
+          </p:cNvPr>
+          <p:cNvSpPr txBox="1"/>
+          <p:nvPr/>
+        </p:nvSpPr>
+        <p:spPr>
+          <a:xfrm>
+            <a:off x="6565797" y="3046345"/>
+            <a:ext cx="397866" cy="369332"/>
+          </a:xfrm>
+          <a:prstGeom prst="rect">
+            <a:avLst/>
+          </a:prstGeom>
+          <a:noFill/>
+        </p:spPr>
+        <p:txBody>
+          <a:bodyPr wrap="none" rtlCol="0">
+            <a:spAutoFit/>
+          </a:bodyPr>
+          <a:lstStyle/>
+          <a:p>
+            <a:r>
+              <a:rPr lang="pt-BR" sz="1800" b="1" dirty="0">
+                <a:solidFill>
+                  <a:srgbClr val="FF0000"/>
+                </a:solidFill>
+              </a:rPr>
+              <a:t>4ª</a:t>
+            </a:r>
+          </a:p>
+        </p:txBody>
+      </p:sp>
+    </p:spTree>
+    <p:extLst>
+      <p:ext uri="{BB962C8B-B14F-4D97-AF65-F5344CB8AC3E}">
+        <p14:creationId xmlns:p14="http://schemas.microsoft.com/office/powerpoint/2010/main" val="4122889939"/>
+      </p:ext>
+    </p:extLst>
+  </p:cSld>
+  <p:clrMapOvr>
+    <a:masterClrMapping/>
+  </p:clrMapOvr>
+  <mc:AlternateContent xmlns:mc="http://schemas.openxmlformats.org/markup-compatibility/2006" xmlns:p14="http://schemas.microsoft.com/office/powerpoint/2010/main">
+    <mc:Choice Requires="p14">
+      <p:transition spd="med" p14:dur="700">
+        <p:fade/>
+      </p:transition>
+    </mc:Choice>
+    <mc:Fallback xmlns="">
+      <p:transition spd="med">
+        <p:fade/>
+      </p:transition>
+    </mc:Fallback>
+  </mc:AlternateContent>
+</p:sld>
+</file>
+
+<file path=ppt/slides/slide8.xml><?xml version="1.0" encoding="utf-8"?>
+<p:sld xmlns:a="http://schemas.openxmlformats.org/drawingml/2006/main" xmlns:r="http://schemas.openxmlformats.org/officeDocument/2006/relationships" xmlns:p="http://schemas.openxmlformats.org/presentationml/2006/main">
+  <p:cSld>
+    <p:spTree>
+      <p:nvGrpSpPr>
+        <p:cNvPr id="1" name="Shape 135"/>
+        <p:cNvGrpSpPr/>
+        <p:nvPr/>
+      </p:nvGrpSpPr>
+      <p:grpSpPr>
+        <a:xfrm>
+          <a:off x="0" y="0"/>
+          <a:ext cx="0" cy="0"/>
+          <a:chOff x="0" y="0"/>
+          <a:chExt cx="0" cy="0"/>
+        </a:xfrm>
+      </p:grpSpPr>
+      <p:sp>
+        <p:nvSpPr>
+          <p:cNvPr id="136" name="Google Shape;136;p16"/>
+          <p:cNvSpPr txBox="1">
+            <a:spLocks noGrp="1"/>
+          </p:cNvSpPr>
+          <p:nvPr>
+            <p:ph type="subTitle" idx="1"/>
+          </p:nvPr>
+        </p:nvSpPr>
+        <p:spPr>
+          <a:xfrm>
+            <a:off x="1796146" y="232128"/>
+            <a:ext cx="7341870" cy="591351"/>
+          </a:xfrm>
+          <a:prstGeom prst="rect">
+            <a:avLst/>
+          </a:prstGeom>
+          <a:noFill/>
+          <a:ln>
+            <a:noFill/>
+          </a:ln>
+        </p:spPr>
+        <p:txBody>
+          <a:bodyPr spcFirstLastPara="1" wrap="square" lIns="91425" tIns="91425" rIns="91425" bIns="91425" anchor="ctr" anchorCtr="0">
+            <a:noAutofit/>
+          </a:bodyPr>
+          <a:lstStyle/>
+          <a:p>
+            <a:pPr marL="0" lvl="0" indent="0">
+              <a:buClr>
+                <a:schemeClr val="dk1"/>
+              </a:buClr>
+              <a:buSzPts val="1100"/>
+            </a:pPr>
+            <a:r>
+              <a:rPr lang="pt-BR" sz="4000" b="1" dirty="0">
+                <a:solidFill>
+                  <a:srgbClr val="073763"/>
+                </a:solidFill>
+                <a:latin typeface="Century Gothic"/>
+                <a:ea typeface="Century Gothic"/>
+                <a:cs typeface="Century Gothic"/>
+                <a:sym typeface="Century Gothic"/>
+              </a:rPr>
+              <a:t>Atravessamento PÓS-ORDEM</a:t>
+            </a:r>
+          </a:p>
+        </p:txBody>
+      </p:sp>
+      <p:pic>
+        <p:nvPicPr>
+          <p:cNvPr id="137" name="Google Shape;137;p16"/>
+          <p:cNvPicPr preferRelativeResize="0"/>
+          <p:nvPr/>
+        </p:nvPicPr>
+        <p:blipFill rotWithShape="1">
+          <a:blip r:embed="rId3">
+            <a:alphaModFix/>
+          </a:blip>
+          <a:srcRect/>
+          <a:stretch/>
+        </p:blipFill>
+        <p:spPr>
+          <a:xfrm>
+            <a:off x="311700" y="243014"/>
+            <a:ext cx="1698849" cy="591351"/>
+          </a:xfrm>
+          <a:prstGeom prst="rect">
+            <a:avLst/>
+          </a:prstGeom>
+          <a:noFill/>
+          <a:ln>
+            <a:noFill/>
+          </a:ln>
+        </p:spPr>
+      </p:pic>
+      <p:sp>
+        <p:nvSpPr>
+          <p:cNvPr id="139" name="Google Shape;139;p16"/>
+          <p:cNvSpPr/>
+          <p:nvPr/>
+        </p:nvSpPr>
+        <p:spPr>
+          <a:xfrm>
+            <a:off x="0" y="5077717"/>
+            <a:ext cx="9144000" cy="57300"/>
+          </a:xfrm>
+          <a:prstGeom prst="rect">
+            <a:avLst/>
+          </a:prstGeom>
+          <a:solidFill>
+            <a:srgbClr val="F78321"/>
+          </a:solidFill>
+          <a:ln w="9525" cap="flat" cmpd="sng">
+            <a:solidFill>
+              <a:srgbClr val="F78321"/>
+            </a:solidFill>
+            <a:prstDash val="solid"/>
+            <a:round/>
+            <a:headEnd type="none" w="sm" len="sm"/>
+            <a:tailEnd type="none" w="sm" len="sm"/>
+          </a:ln>
+        </p:spPr>
+        <p:txBody>
+          <a:bodyPr spcFirstLastPara="1" wrap="square" lIns="91425" tIns="91425" rIns="91425" bIns="91425" anchor="ctr" anchorCtr="0">
+            <a:noAutofit/>
+          </a:bodyPr>
+          <a:lstStyle/>
+          <a:p>
+            <a:pPr marL="0" marR="0" lvl="0" indent="0" algn="l" rtl="0">
+              <a:lnSpc>
+                <a:spcPct val="100000"/>
+              </a:lnSpc>
+              <a:spcBef>
+                <a:spcPts val="0"/>
+              </a:spcBef>
+              <a:spcAft>
+                <a:spcPts val="0"/>
+              </a:spcAft>
+              <a:buClr>
+                <a:srgbClr val="000000"/>
+              </a:buClr>
+              <a:buSzPts val="1400"/>
+              <a:buFont typeface="Arial"/>
+              <a:buNone/>
+            </a:pPr>
+            <a:endParaRPr sz="1400" b="0" i="0" u="none" strike="noStrike" cap="none">
+              <a:solidFill>
+                <a:srgbClr val="000000"/>
+              </a:solidFill>
+              <a:latin typeface="Arial"/>
+              <a:ea typeface="Arial"/>
+              <a:cs typeface="Arial"/>
+              <a:sym typeface="Arial"/>
+            </a:endParaRPr>
+          </a:p>
+        </p:txBody>
+      </p:sp>
+      <p:sp>
+        <p:nvSpPr>
+          <p:cNvPr id="11" name="CaixaDeTexto 10">
+            <a:extLst>
+              <a:ext uri="{FF2B5EF4-FFF2-40B4-BE49-F238E27FC236}">
+                <a16:creationId xmlns:a16="http://schemas.microsoft.com/office/drawing/2014/main" id="{880BA323-3898-4640-8B2C-7901D2BF9BC1}"/>
+              </a:ext>
+            </a:extLst>
+          </p:cNvPr>
+          <p:cNvSpPr txBox="1"/>
+          <p:nvPr/>
+        </p:nvSpPr>
+        <p:spPr>
+          <a:xfrm>
+            <a:off x="341230" y="1199733"/>
+            <a:ext cx="4173214" cy="830997"/>
+          </a:xfrm>
+          <a:prstGeom prst="rect">
+            <a:avLst/>
+          </a:prstGeom>
+          <a:noFill/>
+        </p:spPr>
+        <p:txBody>
+          <a:bodyPr wrap="square" rtlCol="0">
+            <a:spAutoFit/>
+          </a:bodyPr>
+          <a:lstStyle/>
+          <a:p>
+            <a:r>
+              <a:rPr lang="pt-BR" sz="2400" dirty="0">
+                <a:solidFill>
+                  <a:srgbClr val="002060"/>
+                </a:solidFill>
+                <a:latin typeface="Calibri" panose="020F0502020204030204" pitchFamily="34" charset="0"/>
+                <a:cs typeface="Calibri" panose="020F0502020204030204" pitchFamily="34" charset="0"/>
+              </a:rPr>
+              <a:t>Saída:</a:t>
+            </a:r>
+          </a:p>
+          <a:p>
+            <a:pPr marL="342900" indent="-342900">
+              <a:buFontTx/>
+              <a:buChar char="-"/>
+            </a:pPr>
+            <a:r>
+              <a:rPr lang="pt-BR" sz="2400" dirty="0">
+                <a:solidFill>
+                  <a:srgbClr val="002060"/>
+                </a:solidFill>
+                <a:latin typeface="Calibri" panose="020F0502020204030204" pitchFamily="34" charset="0"/>
+                <a:cs typeface="Calibri" panose="020F0502020204030204" pitchFamily="34" charset="0"/>
+              </a:rPr>
+              <a:t>2, 12, 10, 20, 29, 31, 25 e 13</a:t>
+            </a:r>
+          </a:p>
+        </p:txBody>
+      </p:sp>
+      <p:sp>
+        <p:nvSpPr>
+          <p:cNvPr id="7" name="CaixaDeTexto 6">
+            <a:extLst>
+              <a:ext uri="{FF2B5EF4-FFF2-40B4-BE49-F238E27FC236}">
+                <a16:creationId xmlns:a16="http://schemas.microsoft.com/office/drawing/2014/main" id="{36FB006A-C2F7-4326-896E-5D0F723DB52E}"/>
+              </a:ext>
+            </a:extLst>
+          </p:cNvPr>
+          <p:cNvSpPr txBox="1"/>
+          <p:nvPr/>
+        </p:nvSpPr>
+        <p:spPr>
+          <a:xfrm>
+            <a:off x="10618" y="4800718"/>
+            <a:ext cx="9007652" cy="276999"/>
+          </a:xfrm>
+          <a:prstGeom prst="rect">
+            <a:avLst/>
+          </a:prstGeom>
+          <a:noFill/>
+        </p:spPr>
+        <p:txBody>
+          <a:bodyPr wrap="square" rtlCol="0">
+            <a:spAutoFit/>
+          </a:bodyPr>
+          <a:lstStyle/>
+          <a:p>
+            <a:r>
+              <a:rPr lang="pt-BR" sz="1200" dirty="0">
+                <a:solidFill>
+                  <a:srgbClr val="002060"/>
+                </a:solidFill>
+                <a:latin typeface="Calibri" panose="020F0502020204030204" pitchFamily="34" charset="0"/>
+                <a:cs typeface="Calibri" panose="020F0502020204030204" pitchFamily="34" charset="0"/>
+              </a:rPr>
+              <a:t>Fonte: Livro Lógica de Programação e estrutura de dados, Sandra Purga e Gerson </a:t>
+            </a:r>
+            <a:r>
+              <a:rPr lang="pt-BR" sz="1200" dirty="0" err="1">
+                <a:solidFill>
+                  <a:srgbClr val="002060"/>
+                </a:solidFill>
+                <a:latin typeface="Calibri" panose="020F0502020204030204" pitchFamily="34" charset="0"/>
+                <a:cs typeface="Calibri" panose="020F0502020204030204" pitchFamily="34" charset="0"/>
+              </a:rPr>
+              <a:t>Rissetti</a:t>
+            </a:r>
+            <a:r>
+              <a:rPr lang="pt-BR" sz="1200" dirty="0">
+                <a:solidFill>
+                  <a:srgbClr val="002060"/>
+                </a:solidFill>
+                <a:latin typeface="Calibri" panose="020F0502020204030204" pitchFamily="34" charset="0"/>
+                <a:cs typeface="Calibri" panose="020F0502020204030204" pitchFamily="34" charset="0"/>
+              </a:rPr>
+              <a:t>, 3ª Edição </a:t>
+            </a:r>
+          </a:p>
+        </p:txBody>
+      </p:sp>
+      <p:pic>
+        <p:nvPicPr>
           <p:cNvPr id="3" name="Imagem 2"/>
           <p:cNvPicPr>
             <a:picLocks noChangeAspect="1"/>
@@ -23645,7 +24282,7 @@
           <p:nvPr/>
         </p:nvPicPr>
         <p:blipFill>
-          <a:blip r:embed="rId5">
+          <a:blip r:embed="rId4">
             <a:extLst>
               <a:ext uri="{28A0092B-C50C-407E-A947-70E740481C1C}">
                 <a14:useLocalDpi xmlns:a14="http://schemas.microsoft.com/office/drawing/2010/main" val="0"/>
@@ -23660,6 +24297,36 @@
           <a:xfrm>
             <a:off x="164239" y="2049236"/>
             <a:ext cx="4933541" cy="2644555"/>
+          </a:xfrm>
+          <a:prstGeom prst="rect">
+            <a:avLst/>
+          </a:prstGeom>
+        </p:spPr>
+      </p:pic>
+      <p:pic>
+        <p:nvPicPr>
+          <p:cNvPr id="9" name="Imagem 8">
+            <a:extLst>
+              <a:ext uri="{FF2B5EF4-FFF2-40B4-BE49-F238E27FC236}">
+                <a16:creationId xmlns:a16="http://schemas.microsoft.com/office/drawing/2014/main" id="{79E7EF89-EAFE-4F63-805C-1BF49BB4B9C8}"/>
+              </a:ext>
+            </a:extLst>
+          </p:cNvPr>
+          <p:cNvPicPr>
+            <a:picLocks noChangeAspect="1"/>
+          </p:cNvPicPr>
+          <p:nvPr/>
+        </p:nvPicPr>
+        <p:blipFill>
+          <a:blip r:embed="rId5"/>
+          <a:stretch>
+            <a:fillRect/>
+          </a:stretch>
+        </p:blipFill>
+        <p:spPr>
+          <a:xfrm>
+            <a:off x="5092751" y="739230"/>
+            <a:ext cx="3291873" cy="2353281"/>
           </a:xfrm>
           <a:prstGeom prst="rect">
             <a:avLst/>
@@ -23688,17 +24355,10 @@
       </p:transition>
     </mc:Fallback>
   </mc:AlternateContent>
-  <p:timing>
-    <p:tnLst>
-      <p:par>
-        <p:cTn id="1" dur="indefinite" restart="never" nodeType="tmRoot"/>
-      </p:par>
-    </p:tnLst>
-  </p:timing>
 </p:sld>
 </file>
 
-<file path=ppt/slides/slide8.xml><?xml version="1.0" encoding="utf-8"?>
+<file path=ppt/slides/slide9.xml><?xml version="1.0" encoding="utf-8"?>
 <p:sld xmlns:a="http://schemas.openxmlformats.org/drawingml/2006/main" xmlns:r="http://schemas.openxmlformats.org/officeDocument/2006/relationships" xmlns:p="http://schemas.openxmlformats.org/presentationml/2006/main">
   <p:cSld>
     <p:spTree>
@@ -24491,7 +25151,7 @@
                 <a:hlinkClick r:id="rId4">
                   <a:extLst>
                     <a:ext uri="{A12FA001-AC4F-418D-AE19-62706E023703}">
-                      <ahyp:hlinkClr xmlns:ahyp="http://schemas.microsoft.com/office/drawing/2018/hyperlinkcolor" xmlns="" val="tx"/>
+                      <ahyp:hlinkClr xmlns:ahyp="http://schemas.microsoft.com/office/drawing/2018/hyperlinkcolor" val="tx"/>
                     </a:ext>
                   </a:extLst>
                 </a:hlinkClick>
@@ -24515,7 +25175,7 @@
           <p:cNvPr id="14" name="Imagem 13">
             <a:extLst>
               <a:ext uri="{FF2B5EF4-FFF2-40B4-BE49-F238E27FC236}">
-                <a16:creationId xmlns:a16="http://schemas.microsoft.com/office/drawing/2014/main" xmlns="" id="{75728100-D2C6-4D0B-BE34-B066BE471AF3}"/>
+                <a16:creationId xmlns:a16="http://schemas.microsoft.com/office/drawing/2014/main" id="{75728100-D2C6-4D0B-BE34-B066BE471AF3}"/>
               </a:ext>
             </a:extLst>
           </p:cNvPr>
